--- a/ppt 16-9/1149.仰望永久家乡.pptx
+++ b/ppt 16-9/1149.仰望永久家乡.pptx
@@ -129,7 +129,7 @@
           <p:cNvPr id="2" name="标题 1">
             <a:extLst>
               <a:ext uri="{FF2B5EF4-FFF2-40B4-BE49-F238E27FC236}">
-                <a16:creationId xmlns:a16="http://schemas.microsoft.com/office/drawing/2014/main" id="{ABB8D961-5600-83BA-81B7-D12CDA3C7777}"/>
+                <a16:creationId xmlns:a16="http://schemas.microsoft.com/office/drawing/2014/main" id="{CBE7AD84-616D-5EEF-1E03-E2BBF755DB09}"/>
               </a:ext>
             </a:extLst>
           </p:cNvPr>
@@ -166,7 +166,7 @@
           <p:cNvPr id="3" name="副标题 2">
             <a:extLst>
               <a:ext uri="{FF2B5EF4-FFF2-40B4-BE49-F238E27FC236}">
-                <a16:creationId xmlns:a16="http://schemas.microsoft.com/office/drawing/2014/main" id="{7D80269E-860D-CD4C-F25A-9C5142D41A3A}"/>
+                <a16:creationId xmlns:a16="http://schemas.microsoft.com/office/drawing/2014/main" id="{D276EA8E-4765-54EB-B193-BC3F18EF128F}"/>
               </a:ext>
             </a:extLst>
           </p:cNvPr>
@@ -236,7 +236,7 @@
           <p:cNvPr id="4" name="日期占位符 3">
             <a:extLst>
               <a:ext uri="{FF2B5EF4-FFF2-40B4-BE49-F238E27FC236}">
-                <a16:creationId xmlns:a16="http://schemas.microsoft.com/office/drawing/2014/main" id="{E15DCA4A-B660-D215-8C6D-EEFB9C0575C4}"/>
+                <a16:creationId xmlns:a16="http://schemas.microsoft.com/office/drawing/2014/main" id="{A038937E-67AF-8754-D186-A79968997BC5}"/>
               </a:ext>
             </a:extLst>
           </p:cNvPr>
@@ -252,7 +252,7 @@
           <a:bodyPr/>
           <a:lstStyle/>
           <a:p>
-            <a:fld id="{F922A12D-28EE-4FF2-8E10-E60989FF273B}" type="datetimeFigureOut">
+            <a:fld id="{ABB7F8E2-3D9D-4AF4-9EEF-5CB8FE2750D3}" type="datetimeFigureOut">
               <a:rPr lang="zh-CN" altLang="en-US" smtClean="0"/>
               <a:t>2024/3/10</a:t>
             </a:fld>
@@ -265,7 +265,7 @@
           <p:cNvPr id="5" name="页脚占位符 4">
             <a:extLst>
               <a:ext uri="{FF2B5EF4-FFF2-40B4-BE49-F238E27FC236}">
-                <a16:creationId xmlns:a16="http://schemas.microsoft.com/office/drawing/2014/main" id="{5FAA63B1-3CFF-6674-ACBC-E837ACC98FCE}"/>
+                <a16:creationId xmlns:a16="http://schemas.microsoft.com/office/drawing/2014/main" id="{C59A09DC-394A-1715-7E5A-793CDDC8F7BD}"/>
               </a:ext>
             </a:extLst>
           </p:cNvPr>
@@ -290,7 +290,7 @@
           <p:cNvPr id="6" name="灯片编号占位符 5">
             <a:extLst>
               <a:ext uri="{FF2B5EF4-FFF2-40B4-BE49-F238E27FC236}">
-                <a16:creationId xmlns:a16="http://schemas.microsoft.com/office/drawing/2014/main" id="{46F3A5CC-944D-F210-1D1B-88FCF559C64C}"/>
+                <a16:creationId xmlns:a16="http://schemas.microsoft.com/office/drawing/2014/main" id="{0F39A4D1-A44F-D855-416A-2C827091F903}"/>
               </a:ext>
             </a:extLst>
           </p:cNvPr>
@@ -306,7 +306,7 @@
           <a:bodyPr/>
           <a:lstStyle/>
           <a:p>
-            <a:fld id="{C2D2A28B-2E6B-4AC3-87DC-013200140E78}" type="slidenum">
+            <a:fld id="{B8A043A5-CCD4-4D58-B8E3-79BFA825A263}" type="slidenum">
               <a:rPr lang="zh-CN" altLang="en-US" smtClean="0"/>
               <a:t>‹#›</a:t>
             </a:fld>
@@ -317,7 +317,7 @@
     </p:spTree>
     <p:extLst>
       <p:ext uri="{BB962C8B-B14F-4D97-AF65-F5344CB8AC3E}">
-        <p14:creationId xmlns:p14="http://schemas.microsoft.com/office/powerpoint/2010/main" val="3016234541"/>
+        <p14:creationId xmlns:p14="http://schemas.microsoft.com/office/powerpoint/2010/main" val="3041249097"/>
       </p:ext>
     </p:extLst>
   </p:cSld>
@@ -349,7 +349,7 @@
           <p:cNvPr id="2" name="标题 1">
             <a:extLst>
               <a:ext uri="{FF2B5EF4-FFF2-40B4-BE49-F238E27FC236}">
-                <a16:creationId xmlns:a16="http://schemas.microsoft.com/office/drawing/2014/main" id="{5727CFD4-C034-D4AD-ADDC-C4CF915EE4FB}"/>
+                <a16:creationId xmlns:a16="http://schemas.microsoft.com/office/drawing/2014/main" id="{1FFB096D-B26E-1938-A614-FA2EDB4D8ADF}"/>
               </a:ext>
             </a:extLst>
           </p:cNvPr>
@@ -377,7 +377,7 @@
           <p:cNvPr id="3" name="竖排文字占位符 2">
             <a:extLst>
               <a:ext uri="{FF2B5EF4-FFF2-40B4-BE49-F238E27FC236}">
-                <a16:creationId xmlns:a16="http://schemas.microsoft.com/office/drawing/2014/main" id="{B021BE93-342B-08B7-3DEE-A883712FB376}"/>
+                <a16:creationId xmlns:a16="http://schemas.microsoft.com/office/drawing/2014/main" id="{84FEAF03-D296-5946-29EA-D8A404DC3D14}"/>
               </a:ext>
             </a:extLst>
           </p:cNvPr>
@@ -434,7 +434,7 @@
           <p:cNvPr id="4" name="日期占位符 3">
             <a:extLst>
               <a:ext uri="{FF2B5EF4-FFF2-40B4-BE49-F238E27FC236}">
-                <a16:creationId xmlns:a16="http://schemas.microsoft.com/office/drawing/2014/main" id="{2E4BBF6A-239A-B8A3-EB9C-55259B553113}"/>
+                <a16:creationId xmlns:a16="http://schemas.microsoft.com/office/drawing/2014/main" id="{7DBA3354-441D-9C56-7392-A2A6DC58A758}"/>
               </a:ext>
             </a:extLst>
           </p:cNvPr>
@@ -450,7 +450,7 @@
           <a:bodyPr/>
           <a:lstStyle/>
           <a:p>
-            <a:fld id="{F922A12D-28EE-4FF2-8E10-E60989FF273B}" type="datetimeFigureOut">
+            <a:fld id="{ABB7F8E2-3D9D-4AF4-9EEF-5CB8FE2750D3}" type="datetimeFigureOut">
               <a:rPr lang="zh-CN" altLang="en-US" smtClean="0"/>
               <a:t>2024/3/10</a:t>
             </a:fld>
@@ -463,7 +463,7 @@
           <p:cNvPr id="5" name="页脚占位符 4">
             <a:extLst>
               <a:ext uri="{FF2B5EF4-FFF2-40B4-BE49-F238E27FC236}">
-                <a16:creationId xmlns:a16="http://schemas.microsoft.com/office/drawing/2014/main" id="{07E001BA-D086-039D-0040-8C12C9729E8F}"/>
+                <a16:creationId xmlns:a16="http://schemas.microsoft.com/office/drawing/2014/main" id="{CAAB6CF7-2C28-4F25-4770-53AD94612070}"/>
               </a:ext>
             </a:extLst>
           </p:cNvPr>
@@ -488,7 +488,7 @@
           <p:cNvPr id="6" name="灯片编号占位符 5">
             <a:extLst>
               <a:ext uri="{FF2B5EF4-FFF2-40B4-BE49-F238E27FC236}">
-                <a16:creationId xmlns:a16="http://schemas.microsoft.com/office/drawing/2014/main" id="{07A7CFC4-36C1-10EA-8DF1-7F0A2986E2C8}"/>
+                <a16:creationId xmlns:a16="http://schemas.microsoft.com/office/drawing/2014/main" id="{CF7C1A59-8A95-A849-D55A-FD0F3F459420}"/>
               </a:ext>
             </a:extLst>
           </p:cNvPr>
@@ -504,7 +504,7 @@
           <a:bodyPr/>
           <a:lstStyle/>
           <a:p>
-            <a:fld id="{C2D2A28B-2E6B-4AC3-87DC-013200140E78}" type="slidenum">
+            <a:fld id="{B8A043A5-CCD4-4D58-B8E3-79BFA825A263}" type="slidenum">
               <a:rPr lang="zh-CN" altLang="en-US" smtClean="0"/>
               <a:t>‹#›</a:t>
             </a:fld>
@@ -515,7 +515,7 @@
     </p:spTree>
     <p:extLst>
       <p:ext uri="{BB962C8B-B14F-4D97-AF65-F5344CB8AC3E}">
-        <p14:creationId xmlns:p14="http://schemas.microsoft.com/office/powerpoint/2010/main" val="3176826992"/>
+        <p14:creationId xmlns:p14="http://schemas.microsoft.com/office/powerpoint/2010/main" val="1769791933"/>
       </p:ext>
     </p:extLst>
   </p:cSld>
@@ -547,7 +547,7 @@
           <p:cNvPr id="2" name="竖排标题 1">
             <a:extLst>
               <a:ext uri="{FF2B5EF4-FFF2-40B4-BE49-F238E27FC236}">
-                <a16:creationId xmlns:a16="http://schemas.microsoft.com/office/drawing/2014/main" id="{B311649C-F725-06F0-5335-E6934722A0F0}"/>
+                <a16:creationId xmlns:a16="http://schemas.microsoft.com/office/drawing/2014/main" id="{A3C57B30-517A-879F-E377-2110EFFD63CC}"/>
               </a:ext>
             </a:extLst>
           </p:cNvPr>
@@ -580,7 +580,7 @@
           <p:cNvPr id="3" name="竖排文字占位符 2">
             <a:extLst>
               <a:ext uri="{FF2B5EF4-FFF2-40B4-BE49-F238E27FC236}">
-                <a16:creationId xmlns:a16="http://schemas.microsoft.com/office/drawing/2014/main" id="{FFD84E2E-78B0-1747-5F37-56E07F711855}"/>
+                <a16:creationId xmlns:a16="http://schemas.microsoft.com/office/drawing/2014/main" id="{0DD97CD9-86DB-325C-1EF3-4591A545C2C8}"/>
               </a:ext>
             </a:extLst>
           </p:cNvPr>
@@ -642,7 +642,7 @@
           <p:cNvPr id="4" name="日期占位符 3">
             <a:extLst>
               <a:ext uri="{FF2B5EF4-FFF2-40B4-BE49-F238E27FC236}">
-                <a16:creationId xmlns:a16="http://schemas.microsoft.com/office/drawing/2014/main" id="{39BD1268-EF7B-CF1A-6DA9-C872BBE3223C}"/>
+                <a16:creationId xmlns:a16="http://schemas.microsoft.com/office/drawing/2014/main" id="{2862AD74-EC7C-9D76-24C7-1E6666E9C463}"/>
               </a:ext>
             </a:extLst>
           </p:cNvPr>
@@ -658,7 +658,7 @@
           <a:bodyPr/>
           <a:lstStyle/>
           <a:p>
-            <a:fld id="{F922A12D-28EE-4FF2-8E10-E60989FF273B}" type="datetimeFigureOut">
+            <a:fld id="{ABB7F8E2-3D9D-4AF4-9EEF-5CB8FE2750D3}" type="datetimeFigureOut">
               <a:rPr lang="zh-CN" altLang="en-US" smtClean="0"/>
               <a:t>2024/3/10</a:t>
             </a:fld>
@@ -671,7 +671,7 @@
           <p:cNvPr id="5" name="页脚占位符 4">
             <a:extLst>
               <a:ext uri="{FF2B5EF4-FFF2-40B4-BE49-F238E27FC236}">
-                <a16:creationId xmlns:a16="http://schemas.microsoft.com/office/drawing/2014/main" id="{38D3A0C4-FE84-4C21-464A-C720E71E837C}"/>
+                <a16:creationId xmlns:a16="http://schemas.microsoft.com/office/drawing/2014/main" id="{9674FBFE-88CA-81CE-455B-9A12E9F14336}"/>
               </a:ext>
             </a:extLst>
           </p:cNvPr>
@@ -696,7 +696,7 @@
           <p:cNvPr id="6" name="灯片编号占位符 5">
             <a:extLst>
               <a:ext uri="{FF2B5EF4-FFF2-40B4-BE49-F238E27FC236}">
-                <a16:creationId xmlns:a16="http://schemas.microsoft.com/office/drawing/2014/main" id="{4B779DB7-3017-B1FA-834F-CE29712A6767}"/>
+                <a16:creationId xmlns:a16="http://schemas.microsoft.com/office/drawing/2014/main" id="{89D54AC3-AF2B-8286-19DD-7AE061231320}"/>
               </a:ext>
             </a:extLst>
           </p:cNvPr>
@@ -712,7 +712,7 @@
           <a:bodyPr/>
           <a:lstStyle/>
           <a:p>
-            <a:fld id="{C2D2A28B-2E6B-4AC3-87DC-013200140E78}" type="slidenum">
+            <a:fld id="{B8A043A5-CCD4-4D58-B8E3-79BFA825A263}" type="slidenum">
               <a:rPr lang="zh-CN" altLang="en-US" smtClean="0"/>
               <a:t>‹#›</a:t>
             </a:fld>
@@ -723,7 +723,7 @@
     </p:spTree>
     <p:extLst>
       <p:ext uri="{BB962C8B-B14F-4D97-AF65-F5344CB8AC3E}">
-        <p14:creationId xmlns:p14="http://schemas.microsoft.com/office/powerpoint/2010/main" val="2506173723"/>
+        <p14:creationId xmlns:p14="http://schemas.microsoft.com/office/powerpoint/2010/main" val="385682373"/>
       </p:ext>
     </p:extLst>
   </p:cSld>
@@ -755,7 +755,7 @@
           <p:cNvPr id="2" name="标题 1">
             <a:extLst>
               <a:ext uri="{FF2B5EF4-FFF2-40B4-BE49-F238E27FC236}">
-                <a16:creationId xmlns:a16="http://schemas.microsoft.com/office/drawing/2014/main" id="{E89B642A-70A2-8615-4F73-3485932E4B32}"/>
+                <a16:creationId xmlns:a16="http://schemas.microsoft.com/office/drawing/2014/main" id="{B8659184-F2E1-5414-DCE0-228058270D6E}"/>
               </a:ext>
             </a:extLst>
           </p:cNvPr>
@@ -783,7 +783,7 @@
           <p:cNvPr id="3" name="内容占位符 2">
             <a:extLst>
               <a:ext uri="{FF2B5EF4-FFF2-40B4-BE49-F238E27FC236}">
-                <a16:creationId xmlns:a16="http://schemas.microsoft.com/office/drawing/2014/main" id="{683E0A39-7184-97EC-7D8C-0F00A3181EE6}"/>
+                <a16:creationId xmlns:a16="http://schemas.microsoft.com/office/drawing/2014/main" id="{54F6A8F1-83B2-48C4-D445-05C071F2A24E}"/>
               </a:ext>
             </a:extLst>
           </p:cNvPr>
@@ -840,7 +840,7 @@
           <p:cNvPr id="4" name="日期占位符 3">
             <a:extLst>
               <a:ext uri="{FF2B5EF4-FFF2-40B4-BE49-F238E27FC236}">
-                <a16:creationId xmlns:a16="http://schemas.microsoft.com/office/drawing/2014/main" id="{5D6B81F9-3EED-2565-07E7-922F95C1E5E8}"/>
+                <a16:creationId xmlns:a16="http://schemas.microsoft.com/office/drawing/2014/main" id="{80B347A2-2748-689C-3643-5B279386B6EB}"/>
               </a:ext>
             </a:extLst>
           </p:cNvPr>
@@ -856,7 +856,7 @@
           <a:bodyPr/>
           <a:lstStyle/>
           <a:p>
-            <a:fld id="{F922A12D-28EE-4FF2-8E10-E60989FF273B}" type="datetimeFigureOut">
+            <a:fld id="{ABB7F8E2-3D9D-4AF4-9EEF-5CB8FE2750D3}" type="datetimeFigureOut">
               <a:rPr lang="zh-CN" altLang="en-US" smtClean="0"/>
               <a:t>2024/3/10</a:t>
             </a:fld>
@@ -869,7 +869,7 @@
           <p:cNvPr id="5" name="页脚占位符 4">
             <a:extLst>
               <a:ext uri="{FF2B5EF4-FFF2-40B4-BE49-F238E27FC236}">
-                <a16:creationId xmlns:a16="http://schemas.microsoft.com/office/drawing/2014/main" id="{CBA533BB-F402-6278-6E43-C1ED11E2DEB1}"/>
+                <a16:creationId xmlns:a16="http://schemas.microsoft.com/office/drawing/2014/main" id="{74774DA8-44A4-B5B9-49F0-8B8B2E0BBCD0}"/>
               </a:ext>
             </a:extLst>
           </p:cNvPr>
@@ -894,7 +894,7 @@
           <p:cNvPr id="6" name="灯片编号占位符 5">
             <a:extLst>
               <a:ext uri="{FF2B5EF4-FFF2-40B4-BE49-F238E27FC236}">
-                <a16:creationId xmlns:a16="http://schemas.microsoft.com/office/drawing/2014/main" id="{56B84818-6F84-879E-6CB5-EC71FD64C4BC}"/>
+                <a16:creationId xmlns:a16="http://schemas.microsoft.com/office/drawing/2014/main" id="{FDD23088-EDE5-CFF6-B40A-E73B601C72D9}"/>
               </a:ext>
             </a:extLst>
           </p:cNvPr>
@@ -910,7 +910,7 @@
           <a:bodyPr/>
           <a:lstStyle/>
           <a:p>
-            <a:fld id="{C2D2A28B-2E6B-4AC3-87DC-013200140E78}" type="slidenum">
+            <a:fld id="{B8A043A5-CCD4-4D58-B8E3-79BFA825A263}" type="slidenum">
               <a:rPr lang="zh-CN" altLang="en-US" smtClean="0"/>
               <a:t>‹#›</a:t>
             </a:fld>
@@ -921,7 +921,7 @@
     </p:spTree>
     <p:extLst>
       <p:ext uri="{BB962C8B-B14F-4D97-AF65-F5344CB8AC3E}">
-        <p14:creationId xmlns:p14="http://schemas.microsoft.com/office/powerpoint/2010/main" val="2495101939"/>
+        <p14:creationId xmlns:p14="http://schemas.microsoft.com/office/powerpoint/2010/main" val="2830996526"/>
       </p:ext>
     </p:extLst>
   </p:cSld>
@@ -953,7 +953,7 @@
           <p:cNvPr id="2" name="标题 1">
             <a:extLst>
               <a:ext uri="{FF2B5EF4-FFF2-40B4-BE49-F238E27FC236}">
-                <a16:creationId xmlns:a16="http://schemas.microsoft.com/office/drawing/2014/main" id="{FDE8CEA6-E1C4-C160-ABA7-AE1B53A41D50}"/>
+                <a16:creationId xmlns:a16="http://schemas.microsoft.com/office/drawing/2014/main" id="{52339A65-CF95-0BF9-0BCC-1ADCC1E7B5CD}"/>
               </a:ext>
             </a:extLst>
           </p:cNvPr>
@@ -990,7 +990,7 @@
           <p:cNvPr id="3" name="文本占位符 2">
             <a:extLst>
               <a:ext uri="{FF2B5EF4-FFF2-40B4-BE49-F238E27FC236}">
-                <a16:creationId xmlns:a16="http://schemas.microsoft.com/office/drawing/2014/main" id="{58FA75E1-F2B8-3A5D-9EE3-2EBE6921B234}"/>
+                <a16:creationId xmlns:a16="http://schemas.microsoft.com/office/drawing/2014/main" id="{D5622D6E-DECB-AC25-F337-5794F80B1F92}"/>
               </a:ext>
             </a:extLst>
           </p:cNvPr>
@@ -1115,7 +1115,7 @@
           <p:cNvPr id="4" name="日期占位符 3">
             <a:extLst>
               <a:ext uri="{FF2B5EF4-FFF2-40B4-BE49-F238E27FC236}">
-                <a16:creationId xmlns:a16="http://schemas.microsoft.com/office/drawing/2014/main" id="{0E06880C-D42A-C228-85E8-901915B7A473}"/>
+                <a16:creationId xmlns:a16="http://schemas.microsoft.com/office/drawing/2014/main" id="{0E1A216A-F7FA-C0A1-C2F2-9B227FD4EDB9}"/>
               </a:ext>
             </a:extLst>
           </p:cNvPr>
@@ -1131,7 +1131,7 @@
           <a:bodyPr/>
           <a:lstStyle/>
           <a:p>
-            <a:fld id="{F922A12D-28EE-4FF2-8E10-E60989FF273B}" type="datetimeFigureOut">
+            <a:fld id="{ABB7F8E2-3D9D-4AF4-9EEF-5CB8FE2750D3}" type="datetimeFigureOut">
               <a:rPr lang="zh-CN" altLang="en-US" smtClean="0"/>
               <a:t>2024/3/10</a:t>
             </a:fld>
@@ -1144,7 +1144,7 @@
           <p:cNvPr id="5" name="页脚占位符 4">
             <a:extLst>
               <a:ext uri="{FF2B5EF4-FFF2-40B4-BE49-F238E27FC236}">
-                <a16:creationId xmlns:a16="http://schemas.microsoft.com/office/drawing/2014/main" id="{AAEC8DF8-0617-F0A3-4169-29B16FBE4902}"/>
+                <a16:creationId xmlns:a16="http://schemas.microsoft.com/office/drawing/2014/main" id="{E7FDA35D-FD62-E143-2AAE-98182D1F1276}"/>
               </a:ext>
             </a:extLst>
           </p:cNvPr>
@@ -1169,7 +1169,7 @@
           <p:cNvPr id="6" name="灯片编号占位符 5">
             <a:extLst>
               <a:ext uri="{FF2B5EF4-FFF2-40B4-BE49-F238E27FC236}">
-                <a16:creationId xmlns:a16="http://schemas.microsoft.com/office/drawing/2014/main" id="{F76533CF-6B32-E5E1-4666-854FEC8BB3E5}"/>
+                <a16:creationId xmlns:a16="http://schemas.microsoft.com/office/drawing/2014/main" id="{C51771CC-D086-6BB8-BC8E-497D59A925CC}"/>
               </a:ext>
             </a:extLst>
           </p:cNvPr>
@@ -1185,7 +1185,7 @@
           <a:bodyPr/>
           <a:lstStyle/>
           <a:p>
-            <a:fld id="{C2D2A28B-2E6B-4AC3-87DC-013200140E78}" type="slidenum">
+            <a:fld id="{B8A043A5-CCD4-4D58-B8E3-79BFA825A263}" type="slidenum">
               <a:rPr lang="zh-CN" altLang="en-US" smtClean="0"/>
               <a:t>‹#›</a:t>
             </a:fld>
@@ -1196,7 +1196,7 @@
     </p:spTree>
     <p:extLst>
       <p:ext uri="{BB962C8B-B14F-4D97-AF65-F5344CB8AC3E}">
-        <p14:creationId xmlns:p14="http://schemas.microsoft.com/office/powerpoint/2010/main" val="1154397033"/>
+        <p14:creationId xmlns:p14="http://schemas.microsoft.com/office/powerpoint/2010/main" val="3890427110"/>
       </p:ext>
     </p:extLst>
   </p:cSld>
@@ -1228,7 +1228,7 @@
           <p:cNvPr id="2" name="标题 1">
             <a:extLst>
               <a:ext uri="{FF2B5EF4-FFF2-40B4-BE49-F238E27FC236}">
-                <a16:creationId xmlns:a16="http://schemas.microsoft.com/office/drawing/2014/main" id="{1E79D6F1-8C1E-FED6-F2B4-CA93270CF88E}"/>
+                <a16:creationId xmlns:a16="http://schemas.microsoft.com/office/drawing/2014/main" id="{9C52BFA3-36CC-D928-0FF0-5623D9874B3A}"/>
               </a:ext>
             </a:extLst>
           </p:cNvPr>
@@ -1256,7 +1256,7 @@
           <p:cNvPr id="3" name="内容占位符 2">
             <a:extLst>
               <a:ext uri="{FF2B5EF4-FFF2-40B4-BE49-F238E27FC236}">
-                <a16:creationId xmlns:a16="http://schemas.microsoft.com/office/drawing/2014/main" id="{42A62AE0-1B6C-5AE5-347B-ECF523EB3145}"/>
+                <a16:creationId xmlns:a16="http://schemas.microsoft.com/office/drawing/2014/main" id="{7D23F7B3-AAFF-2833-ACAB-D03471AB53C2}"/>
               </a:ext>
             </a:extLst>
           </p:cNvPr>
@@ -1318,7 +1318,7 @@
           <p:cNvPr id="4" name="内容占位符 3">
             <a:extLst>
               <a:ext uri="{FF2B5EF4-FFF2-40B4-BE49-F238E27FC236}">
-                <a16:creationId xmlns:a16="http://schemas.microsoft.com/office/drawing/2014/main" id="{4783A184-0F9D-67D8-2DC0-AB01479A18A2}"/>
+                <a16:creationId xmlns:a16="http://schemas.microsoft.com/office/drawing/2014/main" id="{93C430D7-89E6-2234-1BF1-727F500B9ABE}"/>
               </a:ext>
             </a:extLst>
           </p:cNvPr>
@@ -1380,7 +1380,7 @@
           <p:cNvPr id="5" name="日期占位符 4">
             <a:extLst>
               <a:ext uri="{FF2B5EF4-FFF2-40B4-BE49-F238E27FC236}">
-                <a16:creationId xmlns:a16="http://schemas.microsoft.com/office/drawing/2014/main" id="{55E18469-538F-706C-1E50-50BB4AC3FB02}"/>
+                <a16:creationId xmlns:a16="http://schemas.microsoft.com/office/drawing/2014/main" id="{30CB427F-27E4-B5BA-6F8C-D55DF67CDBB2}"/>
               </a:ext>
             </a:extLst>
           </p:cNvPr>
@@ -1396,7 +1396,7 @@
           <a:bodyPr/>
           <a:lstStyle/>
           <a:p>
-            <a:fld id="{F922A12D-28EE-4FF2-8E10-E60989FF273B}" type="datetimeFigureOut">
+            <a:fld id="{ABB7F8E2-3D9D-4AF4-9EEF-5CB8FE2750D3}" type="datetimeFigureOut">
               <a:rPr lang="zh-CN" altLang="en-US" smtClean="0"/>
               <a:t>2024/3/10</a:t>
             </a:fld>
@@ -1409,7 +1409,7 @@
           <p:cNvPr id="6" name="页脚占位符 5">
             <a:extLst>
               <a:ext uri="{FF2B5EF4-FFF2-40B4-BE49-F238E27FC236}">
-                <a16:creationId xmlns:a16="http://schemas.microsoft.com/office/drawing/2014/main" id="{03086244-3A70-0BFF-D6BD-C744B936C7A0}"/>
+                <a16:creationId xmlns:a16="http://schemas.microsoft.com/office/drawing/2014/main" id="{239F57FB-3A44-B2BC-1AEB-816BE014FE10}"/>
               </a:ext>
             </a:extLst>
           </p:cNvPr>
@@ -1434,7 +1434,7 @@
           <p:cNvPr id="7" name="灯片编号占位符 6">
             <a:extLst>
               <a:ext uri="{FF2B5EF4-FFF2-40B4-BE49-F238E27FC236}">
-                <a16:creationId xmlns:a16="http://schemas.microsoft.com/office/drawing/2014/main" id="{DD6F7E0E-8E5A-FE39-2AFD-16CDB9D3ADE8}"/>
+                <a16:creationId xmlns:a16="http://schemas.microsoft.com/office/drawing/2014/main" id="{3B171D81-BD99-ED3D-FF7E-9F98D5C63989}"/>
               </a:ext>
             </a:extLst>
           </p:cNvPr>
@@ -1450,7 +1450,7 @@
           <a:bodyPr/>
           <a:lstStyle/>
           <a:p>
-            <a:fld id="{C2D2A28B-2E6B-4AC3-87DC-013200140E78}" type="slidenum">
+            <a:fld id="{B8A043A5-CCD4-4D58-B8E3-79BFA825A263}" type="slidenum">
               <a:rPr lang="zh-CN" altLang="en-US" smtClean="0"/>
               <a:t>‹#›</a:t>
             </a:fld>
@@ -1461,7 +1461,7 @@
     </p:spTree>
     <p:extLst>
       <p:ext uri="{BB962C8B-B14F-4D97-AF65-F5344CB8AC3E}">
-        <p14:creationId xmlns:p14="http://schemas.microsoft.com/office/powerpoint/2010/main" val="3731041916"/>
+        <p14:creationId xmlns:p14="http://schemas.microsoft.com/office/powerpoint/2010/main" val="1713036131"/>
       </p:ext>
     </p:extLst>
   </p:cSld>
@@ -1493,7 +1493,7 @@
           <p:cNvPr id="2" name="标题 1">
             <a:extLst>
               <a:ext uri="{FF2B5EF4-FFF2-40B4-BE49-F238E27FC236}">
-                <a16:creationId xmlns:a16="http://schemas.microsoft.com/office/drawing/2014/main" id="{8A2FFD95-FB7E-CE13-244E-EDC2E7C4C638}"/>
+                <a16:creationId xmlns:a16="http://schemas.microsoft.com/office/drawing/2014/main" id="{769ACB11-1CCB-2BCC-1F2A-89D2C8FD7F09}"/>
               </a:ext>
             </a:extLst>
           </p:cNvPr>
@@ -1526,7 +1526,7 @@
           <p:cNvPr id="3" name="文本占位符 2">
             <a:extLst>
               <a:ext uri="{FF2B5EF4-FFF2-40B4-BE49-F238E27FC236}">
-                <a16:creationId xmlns:a16="http://schemas.microsoft.com/office/drawing/2014/main" id="{51261B71-20F8-5787-613F-13F17C199F4F}"/>
+                <a16:creationId xmlns:a16="http://schemas.microsoft.com/office/drawing/2014/main" id="{D1161755-8BF5-9CEE-2CAE-1972D6D25099}"/>
               </a:ext>
             </a:extLst>
           </p:cNvPr>
@@ -1597,7 +1597,7 @@
           <p:cNvPr id="4" name="内容占位符 3">
             <a:extLst>
               <a:ext uri="{FF2B5EF4-FFF2-40B4-BE49-F238E27FC236}">
-                <a16:creationId xmlns:a16="http://schemas.microsoft.com/office/drawing/2014/main" id="{20A8BB0D-B455-4D09-F24C-F60ED75801B2}"/>
+                <a16:creationId xmlns:a16="http://schemas.microsoft.com/office/drawing/2014/main" id="{82598C8E-0A33-8A08-EE5A-CA7BBB0D8CFD}"/>
               </a:ext>
             </a:extLst>
           </p:cNvPr>
@@ -1659,7 +1659,7 @@
           <p:cNvPr id="5" name="文本占位符 4">
             <a:extLst>
               <a:ext uri="{FF2B5EF4-FFF2-40B4-BE49-F238E27FC236}">
-                <a16:creationId xmlns:a16="http://schemas.microsoft.com/office/drawing/2014/main" id="{A8DD91FA-AECD-91B6-82F6-A36F565D7E94}"/>
+                <a16:creationId xmlns:a16="http://schemas.microsoft.com/office/drawing/2014/main" id="{C3F9F7EC-26E6-0491-D7BB-CA025F0A2ACD}"/>
               </a:ext>
             </a:extLst>
           </p:cNvPr>
@@ -1730,7 +1730,7 @@
           <p:cNvPr id="6" name="内容占位符 5">
             <a:extLst>
               <a:ext uri="{FF2B5EF4-FFF2-40B4-BE49-F238E27FC236}">
-                <a16:creationId xmlns:a16="http://schemas.microsoft.com/office/drawing/2014/main" id="{A923081D-DC46-D697-D1BD-B19EF573264B}"/>
+                <a16:creationId xmlns:a16="http://schemas.microsoft.com/office/drawing/2014/main" id="{BB4FCF84-EEA4-80E9-039D-8D252203D893}"/>
               </a:ext>
             </a:extLst>
           </p:cNvPr>
@@ -1792,7 +1792,7 @@
           <p:cNvPr id="7" name="日期占位符 6">
             <a:extLst>
               <a:ext uri="{FF2B5EF4-FFF2-40B4-BE49-F238E27FC236}">
-                <a16:creationId xmlns:a16="http://schemas.microsoft.com/office/drawing/2014/main" id="{BC74D544-8774-5E39-499A-437722F0254D}"/>
+                <a16:creationId xmlns:a16="http://schemas.microsoft.com/office/drawing/2014/main" id="{1A81A973-4AE1-D89C-28F1-C8C36772179F}"/>
               </a:ext>
             </a:extLst>
           </p:cNvPr>
@@ -1808,7 +1808,7 @@
           <a:bodyPr/>
           <a:lstStyle/>
           <a:p>
-            <a:fld id="{F922A12D-28EE-4FF2-8E10-E60989FF273B}" type="datetimeFigureOut">
+            <a:fld id="{ABB7F8E2-3D9D-4AF4-9EEF-5CB8FE2750D3}" type="datetimeFigureOut">
               <a:rPr lang="zh-CN" altLang="en-US" smtClean="0"/>
               <a:t>2024/3/10</a:t>
             </a:fld>
@@ -1821,7 +1821,7 @@
           <p:cNvPr id="8" name="页脚占位符 7">
             <a:extLst>
               <a:ext uri="{FF2B5EF4-FFF2-40B4-BE49-F238E27FC236}">
-                <a16:creationId xmlns:a16="http://schemas.microsoft.com/office/drawing/2014/main" id="{03EB0C82-3797-87E4-AA6F-44D5A4E453CB}"/>
+                <a16:creationId xmlns:a16="http://schemas.microsoft.com/office/drawing/2014/main" id="{2637E5AB-6386-DD82-F8D0-02E55B6F848D}"/>
               </a:ext>
             </a:extLst>
           </p:cNvPr>
@@ -1846,7 +1846,7 @@
           <p:cNvPr id="9" name="灯片编号占位符 8">
             <a:extLst>
               <a:ext uri="{FF2B5EF4-FFF2-40B4-BE49-F238E27FC236}">
-                <a16:creationId xmlns:a16="http://schemas.microsoft.com/office/drawing/2014/main" id="{5B46BDEE-C30C-698A-68D7-C1486A2A77C3}"/>
+                <a16:creationId xmlns:a16="http://schemas.microsoft.com/office/drawing/2014/main" id="{0099BD36-68CB-E29A-5698-1DB409C901D0}"/>
               </a:ext>
             </a:extLst>
           </p:cNvPr>
@@ -1862,7 +1862,7 @@
           <a:bodyPr/>
           <a:lstStyle/>
           <a:p>
-            <a:fld id="{C2D2A28B-2E6B-4AC3-87DC-013200140E78}" type="slidenum">
+            <a:fld id="{B8A043A5-CCD4-4D58-B8E3-79BFA825A263}" type="slidenum">
               <a:rPr lang="zh-CN" altLang="en-US" smtClean="0"/>
               <a:t>‹#›</a:t>
             </a:fld>
@@ -1873,7 +1873,7 @@
     </p:spTree>
     <p:extLst>
       <p:ext uri="{BB962C8B-B14F-4D97-AF65-F5344CB8AC3E}">
-        <p14:creationId xmlns:p14="http://schemas.microsoft.com/office/powerpoint/2010/main" val="3466535841"/>
+        <p14:creationId xmlns:p14="http://schemas.microsoft.com/office/powerpoint/2010/main" val="2493690892"/>
       </p:ext>
     </p:extLst>
   </p:cSld>
@@ -1905,7 +1905,7 @@
           <p:cNvPr id="2" name="标题 1">
             <a:extLst>
               <a:ext uri="{FF2B5EF4-FFF2-40B4-BE49-F238E27FC236}">
-                <a16:creationId xmlns:a16="http://schemas.microsoft.com/office/drawing/2014/main" id="{54FB82AA-8AFF-C10F-FF29-BF84393096B0}"/>
+                <a16:creationId xmlns:a16="http://schemas.microsoft.com/office/drawing/2014/main" id="{A1336713-E7C4-61E9-61A6-07F8C2F920C0}"/>
               </a:ext>
             </a:extLst>
           </p:cNvPr>
@@ -1933,7 +1933,7 @@
           <p:cNvPr id="3" name="日期占位符 2">
             <a:extLst>
               <a:ext uri="{FF2B5EF4-FFF2-40B4-BE49-F238E27FC236}">
-                <a16:creationId xmlns:a16="http://schemas.microsoft.com/office/drawing/2014/main" id="{A57A6CD3-94CB-F364-D32B-BEED27C9B06C}"/>
+                <a16:creationId xmlns:a16="http://schemas.microsoft.com/office/drawing/2014/main" id="{6F9C1D99-0CD5-6634-2D9A-C963941743A1}"/>
               </a:ext>
             </a:extLst>
           </p:cNvPr>
@@ -1949,7 +1949,7 @@
           <a:bodyPr/>
           <a:lstStyle/>
           <a:p>
-            <a:fld id="{F922A12D-28EE-4FF2-8E10-E60989FF273B}" type="datetimeFigureOut">
+            <a:fld id="{ABB7F8E2-3D9D-4AF4-9EEF-5CB8FE2750D3}" type="datetimeFigureOut">
               <a:rPr lang="zh-CN" altLang="en-US" smtClean="0"/>
               <a:t>2024/3/10</a:t>
             </a:fld>
@@ -1962,7 +1962,7 @@
           <p:cNvPr id="4" name="页脚占位符 3">
             <a:extLst>
               <a:ext uri="{FF2B5EF4-FFF2-40B4-BE49-F238E27FC236}">
-                <a16:creationId xmlns:a16="http://schemas.microsoft.com/office/drawing/2014/main" id="{12583902-A7E8-2485-4B75-CC7D9D17B91C}"/>
+                <a16:creationId xmlns:a16="http://schemas.microsoft.com/office/drawing/2014/main" id="{BB91FF1B-5B7B-402B-B7D5-DBF36703129A}"/>
               </a:ext>
             </a:extLst>
           </p:cNvPr>
@@ -1987,7 +1987,7 @@
           <p:cNvPr id="5" name="灯片编号占位符 4">
             <a:extLst>
               <a:ext uri="{FF2B5EF4-FFF2-40B4-BE49-F238E27FC236}">
-                <a16:creationId xmlns:a16="http://schemas.microsoft.com/office/drawing/2014/main" id="{738F44FD-8DC5-FA22-90C9-BCB2DABB088A}"/>
+                <a16:creationId xmlns:a16="http://schemas.microsoft.com/office/drawing/2014/main" id="{794A3BC9-53C9-A5B4-CEE7-02C9FE279566}"/>
               </a:ext>
             </a:extLst>
           </p:cNvPr>
@@ -2003,7 +2003,7 @@
           <a:bodyPr/>
           <a:lstStyle/>
           <a:p>
-            <a:fld id="{C2D2A28B-2E6B-4AC3-87DC-013200140E78}" type="slidenum">
+            <a:fld id="{B8A043A5-CCD4-4D58-B8E3-79BFA825A263}" type="slidenum">
               <a:rPr lang="zh-CN" altLang="en-US" smtClean="0"/>
               <a:t>‹#›</a:t>
             </a:fld>
@@ -2014,7 +2014,7 @@
     </p:spTree>
     <p:extLst>
       <p:ext uri="{BB962C8B-B14F-4D97-AF65-F5344CB8AC3E}">
-        <p14:creationId xmlns:p14="http://schemas.microsoft.com/office/powerpoint/2010/main" val="1751742550"/>
+        <p14:creationId xmlns:p14="http://schemas.microsoft.com/office/powerpoint/2010/main" val="3148256390"/>
       </p:ext>
     </p:extLst>
   </p:cSld>
@@ -2046,7 +2046,7 @@
           <p:cNvPr id="2" name="日期占位符 1">
             <a:extLst>
               <a:ext uri="{FF2B5EF4-FFF2-40B4-BE49-F238E27FC236}">
-                <a16:creationId xmlns:a16="http://schemas.microsoft.com/office/drawing/2014/main" id="{9E03DD2D-9067-61C6-38F3-36C2BAE5DD09}"/>
+                <a16:creationId xmlns:a16="http://schemas.microsoft.com/office/drawing/2014/main" id="{D85AE0EF-8A81-BC9B-649F-B7BDD32E6AA0}"/>
               </a:ext>
             </a:extLst>
           </p:cNvPr>
@@ -2062,7 +2062,7 @@
           <a:bodyPr/>
           <a:lstStyle/>
           <a:p>
-            <a:fld id="{F922A12D-28EE-4FF2-8E10-E60989FF273B}" type="datetimeFigureOut">
+            <a:fld id="{ABB7F8E2-3D9D-4AF4-9EEF-5CB8FE2750D3}" type="datetimeFigureOut">
               <a:rPr lang="zh-CN" altLang="en-US" smtClean="0"/>
               <a:t>2024/3/10</a:t>
             </a:fld>
@@ -2075,7 +2075,7 @@
           <p:cNvPr id="3" name="页脚占位符 2">
             <a:extLst>
               <a:ext uri="{FF2B5EF4-FFF2-40B4-BE49-F238E27FC236}">
-                <a16:creationId xmlns:a16="http://schemas.microsoft.com/office/drawing/2014/main" id="{AA096F6A-D3F0-B16D-D0C2-15F110434933}"/>
+                <a16:creationId xmlns:a16="http://schemas.microsoft.com/office/drawing/2014/main" id="{AE497BBE-7E4D-F21F-6B1A-8A64C94C7F9E}"/>
               </a:ext>
             </a:extLst>
           </p:cNvPr>
@@ -2100,7 +2100,7 @@
           <p:cNvPr id="4" name="灯片编号占位符 3">
             <a:extLst>
               <a:ext uri="{FF2B5EF4-FFF2-40B4-BE49-F238E27FC236}">
-                <a16:creationId xmlns:a16="http://schemas.microsoft.com/office/drawing/2014/main" id="{6535DFB9-E99D-27E6-C694-2788AFB41C2B}"/>
+                <a16:creationId xmlns:a16="http://schemas.microsoft.com/office/drawing/2014/main" id="{298EF0B6-C983-0FA7-43D4-81A35AA36F35}"/>
               </a:ext>
             </a:extLst>
           </p:cNvPr>
@@ -2116,7 +2116,7 @@
           <a:bodyPr/>
           <a:lstStyle/>
           <a:p>
-            <a:fld id="{C2D2A28B-2E6B-4AC3-87DC-013200140E78}" type="slidenum">
+            <a:fld id="{B8A043A5-CCD4-4D58-B8E3-79BFA825A263}" type="slidenum">
               <a:rPr lang="zh-CN" altLang="en-US" smtClean="0"/>
               <a:t>‹#›</a:t>
             </a:fld>
@@ -2127,7 +2127,7 @@
     </p:spTree>
     <p:extLst>
       <p:ext uri="{BB962C8B-B14F-4D97-AF65-F5344CB8AC3E}">
-        <p14:creationId xmlns:p14="http://schemas.microsoft.com/office/powerpoint/2010/main" val="2351640090"/>
+        <p14:creationId xmlns:p14="http://schemas.microsoft.com/office/powerpoint/2010/main" val="1695597287"/>
       </p:ext>
     </p:extLst>
   </p:cSld>
@@ -2159,7 +2159,7 @@
           <p:cNvPr id="2" name="标题 1">
             <a:extLst>
               <a:ext uri="{FF2B5EF4-FFF2-40B4-BE49-F238E27FC236}">
-                <a16:creationId xmlns:a16="http://schemas.microsoft.com/office/drawing/2014/main" id="{E78A74C7-A994-D885-248E-7925D1A0B971}"/>
+                <a16:creationId xmlns:a16="http://schemas.microsoft.com/office/drawing/2014/main" id="{4D171C3C-7797-00EF-D8E1-C2A54275E375}"/>
               </a:ext>
             </a:extLst>
           </p:cNvPr>
@@ -2196,7 +2196,7 @@
           <p:cNvPr id="3" name="内容占位符 2">
             <a:extLst>
               <a:ext uri="{FF2B5EF4-FFF2-40B4-BE49-F238E27FC236}">
-                <a16:creationId xmlns:a16="http://schemas.microsoft.com/office/drawing/2014/main" id="{E0C78A74-9881-4F56-3C6B-53A2A463C3F8}"/>
+                <a16:creationId xmlns:a16="http://schemas.microsoft.com/office/drawing/2014/main" id="{62159EBA-05BF-BF83-2525-29058A8C5D17}"/>
               </a:ext>
             </a:extLst>
           </p:cNvPr>
@@ -2286,7 +2286,7 @@
           <p:cNvPr id="4" name="文本占位符 3">
             <a:extLst>
               <a:ext uri="{FF2B5EF4-FFF2-40B4-BE49-F238E27FC236}">
-                <a16:creationId xmlns:a16="http://schemas.microsoft.com/office/drawing/2014/main" id="{AE97B25E-14CA-9917-A5AA-7CFC4E2F86A6}"/>
+                <a16:creationId xmlns:a16="http://schemas.microsoft.com/office/drawing/2014/main" id="{F6CD15E8-0E32-39FF-322A-81AD6853B64A}"/>
               </a:ext>
             </a:extLst>
           </p:cNvPr>
@@ -2357,7 +2357,7 @@
           <p:cNvPr id="5" name="日期占位符 4">
             <a:extLst>
               <a:ext uri="{FF2B5EF4-FFF2-40B4-BE49-F238E27FC236}">
-                <a16:creationId xmlns:a16="http://schemas.microsoft.com/office/drawing/2014/main" id="{7F12BD7E-B9BD-D680-9434-7B80B5FE42E9}"/>
+                <a16:creationId xmlns:a16="http://schemas.microsoft.com/office/drawing/2014/main" id="{FE38AEA0-F053-1D8B-D766-646C98B6AD9D}"/>
               </a:ext>
             </a:extLst>
           </p:cNvPr>
@@ -2373,7 +2373,7 @@
           <a:bodyPr/>
           <a:lstStyle/>
           <a:p>
-            <a:fld id="{F922A12D-28EE-4FF2-8E10-E60989FF273B}" type="datetimeFigureOut">
+            <a:fld id="{ABB7F8E2-3D9D-4AF4-9EEF-5CB8FE2750D3}" type="datetimeFigureOut">
               <a:rPr lang="zh-CN" altLang="en-US" smtClean="0"/>
               <a:t>2024/3/10</a:t>
             </a:fld>
@@ -2386,7 +2386,7 @@
           <p:cNvPr id="6" name="页脚占位符 5">
             <a:extLst>
               <a:ext uri="{FF2B5EF4-FFF2-40B4-BE49-F238E27FC236}">
-                <a16:creationId xmlns:a16="http://schemas.microsoft.com/office/drawing/2014/main" id="{5300423D-E892-F25C-5A9B-78C0BB5832E2}"/>
+                <a16:creationId xmlns:a16="http://schemas.microsoft.com/office/drawing/2014/main" id="{DF53C67A-9BD4-CC64-9D80-50C7CCC3BEA1}"/>
               </a:ext>
             </a:extLst>
           </p:cNvPr>
@@ -2411,7 +2411,7 @@
           <p:cNvPr id="7" name="灯片编号占位符 6">
             <a:extLst>
               <a:ext uri="{FF2B5EF4-FFF2-40B4-BE49-F238E27FC236}">
-                <a16:creationId xmlns:a16="http://schemas.microsoft.com/office/drawing/2014/main" id="{D9AD775C-86A5-CB1B-A86C-BB3D5122B700}"/>
+                <a16:creationId xmlns:a16="http://schemas.microsoft.com/office/drawing/2014/main" id="{FE4935D0-FA2F-D89C-E03D-615EABE7BF60}"/>
               </a:ext>
             </a:extLst>
           </p:cNvPr>
@@ -2427,7 +2427,7 @@
           <a:bodyPr/>
           <a:lstStyle/>
           <a:p>
-            <a:fld id="{C2D2A28B-2E6B-4AC3-87DC-013200140E78}" type="slidenum">
+            <a:fld id="{B8A043A5-CCD4-4D58-B8E3-79BFA825A263}" type="slidenum">
               <a:rPr lang="zh-CN" altLang="en-US" smtClean="0"/>
               <a:t>‹#›</a:t>
             </a:fld>
@@ -2438,7 +2438,7 @@
     </p:spTree>
     <p:extLst>
       <p:ext uri="{BB962C8B-B14F-4D97-AF65-F5344CB8AC3E}">
-        <p14:creationId xmlns:p14="http://schemas.microsoft.com/office/powerpoint/2010/main" val="619795439"/>
+        <p14:creationId xmlns:p14="http://schemas.microsoft.com/office/powerpoint/2010/main" val="135689166"/>
       </p:ext>
     </p:extLst>
   </p:cSld>
@@ -2470,7 +2470,7 @@
           <p:cNvPr id="2" name="标题 1">
             <a:extLst>
               <a:ext uri="{FF2B5EF4-FFF2-40B4-BE49-F238E27FC236}">
-                <a16:creationId xmlns:a16="http://schemas.microsoft.com/office/drawing/2014/main" id="{0EB7ED14-C4CC-B78E-114E-1DD8A9D9AAB7}"/>
+                <a16:creationId xmlns:a16="http://schemas.microsoft.com/office/drawing/2014/main" id="{2AFE720C-4055-77F0-2824-2C345C8C9212}"/>
               </a:ext>
             </a:extLst>
           </p:cNvPr>
@@ -2507,7 +2507,7 @@
           <p:cNvPr id="3" name="图片占位符 2">
             <a:extLst>
               <a:ext uri="{FF2B5EF4-FFF2-40B4-BE49-F238E27FC236}">
-                <a16:creationId xmlns:a16="http://schemas.microsoft.com/office/drawing/2014/main" id="{6612B420-3971-F00F-D4E8-7A73FFC7C2B6}"/>
+                <a16:creationId xmlns:a16="http://schemas.microsoft.com/office/drawing/2014/main" id="{E6858720-F7D1-0A23-A4FC-499D8D17FF4B}"/>
               </a:ext>
             </a:extLst>
           </p:cNvPr>
@@ -2574,7 +2574,7 @@
           <p:cNvPr id="4" name="文本占位符 3">
             <a:extLst>
               <a:ext uri="{FF2B5EF4-FFF2-40B4-BE49-F238E27FC236}">
-                <a16:creationId xmlns:a16="http://schemas.microsoft.com/office/drawing/2014/main" id="{E53E9594-8BB6-6A09-FEDF-CF05677654A8}"/>
+                <a16:creationId xmlns:a16="http://schemas.microsoft.com/office/drawing/2014/main" id="{D511A5CE-80EA-EF3A-28E9-4A9370C951D3}"/>
               </a:ext>
             </a:extLst>
           </p:cNvPr>
@@ -2645,7 +2645,7 @@
           <p:cNvPr id="5" name="日期占位符 4">
             <a:extLst>
               <a:ext uri="{FF2B5EF4-FFF2-40B4-BE49-F238E27FC236}">
-                <a16:creationId xmlns:a16="http://schemas.microsoft.com/office/drawing/2014/main" id="{FB945CF3-CBFA-1510-AC9F-1DD2463B2B79}"/>
+                <a16:creationId xmlns:a16="http://schemas.microsoft.com/office/drawing/2014/main" id="{6B226292-EF41-9767-6DF0-8E03CE850591}"/>
               </a:ext>
             </a:extLst>
           </p:cNvPr>
@@ -2661,7 +2661,7 @@
           <a:bodyPr/>
           <a:lstStyle/>
           <a:p>
-            <a:fld id="{F922A12D-28EE-4FF2-8E10-E60989FF273B}" type="datetimeFigureOut">
+            <a:fld id="{ABB7F8E2-3D9D-4AF4-9EEF-5CB8FE2750D3}" type="datetimeFigureOut">
               <a:rPr lang="zh-CN" altLang="en-US" smtClean="0"/>
               <a:t>2024/3/10</a:t>
             </a:fld>
@@ -2674,7 +2674,7 @@
           <p:cNvPr id="6" name="页脚占位符 5">
             <a:extLst>
               <a:ext uri="{FF2B5EF4-FFF2-40B4-BE49-F238E27FC236}">
-                <a16:creationId xmlns:a16="http://schemas.microsoft.com/office/drawing/2014/main" id="{1DFC0C6F-81E1-A79C-BDCF-6668F1F37087}"/>
+                <a16:creationId xmlns:a16="http://schemas.microsoft.com/office/drawing/2014/main" id="{2BD676C6-9246-5F65-531D-A5AE3D1DFB1D}"/>
               </a:ext>
             </a:extLst>
           </p:cNvPr>
@@ -2699,7 +2699,7 @@
           <p:cNvPr id="7" name="灯片编号占位符 6">
             <a:extLst>
               <a:ext uri="{FF2B5EF4-FFF2-40B4-BE49-F238E27FC236}">
-                <a16:creationId xmlns:a16="http://schemas.microsoft.com/office/drawing/2014/main" id="{550AEF06-95FF-2FF6-250B-D231B614ADA2}"/>
+                <a16:creationId xmlns:a16="http://schemas.microsoft.com/office/drawing/2014/main" id="{A58F4101-CB88-257D-0E8B-D03614F4C6CC}"/>
               </a:ext>
             </a:extLst>
           </p:cNvPr>
@@ -2715,7 +2715,7 @@
           <a:bodyPr/>
           <a:lstStyle/>
           <a:p>
-            <a:fld id="{C2D2A28B-2E6B-4AC3-87DC-013200140E78}" type="slidenum">
+            <a:fld id="{B8A043A5-CCD4-4D58-B8E3-79BFA825A263}" type="slidenum">
               <a:rPr lang="zh-CN" altLang="en-US" smtClean="0"/>
               <a:t>‹#›</a:t>
             </a:fld>
@@ -2726,7 +2726,7 @@
     </p:spTree>
     <p:extLst>
       <p:ext uri="{BB962C8B-B14F-4D97-AF65-F5344CB8AC3E}">
-        <p14:creationId xmlns:p14="http://schemas.microsoft.com/office/powerpoint/2010/main" val="2411062736"/>
+        <p14:creationId xmlns:p14="http://schemas.microsoft.com/office/powerpoint/2010/main" val="458694191"/>
       </p:ext>
     </p:extLst>
   </p:cSld>
@@ -2763,7 +2763,7 @@
           <p:cNvPr id="2" name="标题占位符 1">
             <a:extLst>
               <a:ext uri="{FF2B5EF4-FFF2-40B4-BE49-F238E27FC236}">
-                <a16:creationId xmlns:a16="http://schemas.microsoft.com/office/drawing/2014/main" id="{06CDEFA0-76D9-A9E9-309B-8384C29C4683}"/>
+                <a16:creationId xmlns:a16="http://schemas.microsoft.com/office/drawing/2014/main" id="{14CE2EDC-251B-79F5-77C0-27CE38745E1A}"/>
               </a:ext>
             </a:extLst>
           </p:cNvPr>
@@ -2801,7 +2801,7 @@
           <p:cNvPr id="3" name="文本占位符 2">
             <a:extLst>
               <a:ext uri="{FF2B5EF4-FFF2-40B4-BE49-F238E27FC236}">
-                <a16:creationId xmlns:a16="http://schemas.microsoft.com/office/drawing/2014/main" id="{100A8743-0DD0-34A0-67D8-A0C6D5CE83AC}"/>
+                <a16:creationId xmlns:a16="http://schemas.microsoft.com/office/drawing/2014/main" id="{724B5037-1D30-EF34-2901-9BE0916C003F}"/>
               </a:ext>
             </a:extLst>
           </p:cNvPr>
@@ -2868,7 +2868,7 @@
           <p:cNvPr id="4" name="日期占位符 3">
             <a:extLst>
               <a:ext uri="{FF2B5EF4-FFF2-40B4-BE49-F238E27FC236}">
-                <a16:creationId xmlns:a16="http://schemas.microsoft.com/office/drawing/2014/main" id="{DC4D5789-4AEF-BBB7-A6FB-E8CA45E43FBC}"/>
+                <a16:creationId xmlns:a16="http://schemas.microsoft.com/office/drawing/2014/main" id="{A026FEE9-4B1F-555C-DB2A-FE1811C4A001}"/>
               </a:ext>
             </a:extLst>
           </p:cNvPr>
@@ -2902,7 +2902,7 @@
             </a:lvl1pPr>
           </a:lstStyle>
           <a:p>
-            <a:fld id="{F922A12D-28EE-4FF2-8E10-E60989FF273B}" type="datetimeFigureOut">
+            <a:fld id="{ABB7F8E2-3D9D-4AF4-9EEF-5CB8FE2750D3}" type="datetimeFigureOut">
               <a:rPr lang="zh-CN" altLang="en-US" smtClean="0"/>
               <a:t>2024/3/10</a:t>
             </a:fld>
@@ -2915,7 +2915,7 @@
           <p:cNvPr id="5" name="页脚占位符 4">
             <a:extLst>
               <a:ext uri="{FF2B5EF4-FFF2-40B4-BE49-F238E27FC236}">
-                <a16:creationId xmlns:a16="http://schemas.microsoft.com/office/drawing/2014/main" id="{27BCC36C-319F-79A5-8500-5B1982C6CC9E}"/>
+                <a16:creationId xmlns:a16="http://schemas.microsoft.com/office/drawing/2014/main" id="{85AFCC5A-772F-BA29-4913-94F092979423}"/>
               </a:ext>
             </a:extLst>
           </p:cNvPr>
@@ -2958,7 +2958,7 @@
           <p:cNvPr id="6" name="灯片编号占位符 5">
             <a:extLst>
               <a:ext uri="{FF2B5EF4-FFF2-40B4-BE49-F238E27FC236}">
-                <a16:creationId xmlns:a16="http://schemas.microsoft.com/office/drawing/2014/main" id="{2E65F2B0-A917-5AA7-EFC0-C3B06F910395}"/>
+                <a16:creationId xmlns:a16="http://schemas.microsoft.com/office/drawing/2014/main" id="{15ABD24E-C2C3-FA63-8D2E-B77362892AAE}"/>
               </a:ext>
             </a:extLst>
           </p:cNvPr>
@@ -2992,7 +2992,7 @@
             </a:lvl1pPr>
           </a:lstStyle>
           <a:p>
-            <a:fld id="{C2D2A28B-2E6B-4AC3-87DC-013200140E78}" type="slidenum">
+            <a:fld id="{B8A043A5-CCD4-4D58-B8E3-79BFA825A263}" type="slidenum">
               <a:rPr lang="zh-CN" altLang="en-US" smtClean="0"/>
               <a:t>‹#›</a:t>
             </a:fld>
@@ -3003,7 +3003,7 @@
     </p:spTree>
     <p:extLst>
       <p:ext uri="{BB962C8B-B14F-4D97-AF65-F5344CB8AC3E}">
-        <p14:creationId xmlns:p14="http://schemas.microsoft.com/office/powerpoint/2010/main" val="1916431636"/>
+        <p14:creationId xmlns:p14="http://schemas.microsoft.com/office/powerpoint/2010/main" val="138908619"/>
       </p:ext>
     </p:extLst>
   </p:cSld>
